--- a/Courses/Software-Sciences/Module-3-Databases-New/11-Group-and-Aggregate-Functions/11-Group-and-Aggregate-Functions.pptx
+++ b/Courses/Software-Sciences/Module-3-Databases-New/11-Group-and-Aggregate-Functions/11-Group-and-Aggregate-Functions.pptx
@@ -465,7 +465,7 @@
           <a:p>
             <a:fld id="{4E087215-0C8F-4762-A664-737A353EC9A4}" type="datetimeFigureOut">
               <a:rPr lang="bg-BG" smtClean="0"/>
-              <a:t>18.12.2023 г.</a:t>
+              <a:t>15.4.2024 г.</a:t>
             </a:fld>
             <a:endParaRPr lang="bg-BG"/>
           </a:p>
@@ -661,7 +661,7 @@
           <a:p>
             <a:fld id="{72D84649-876A-46C9-8472-14CB09C070D8}" type="datetimeFigureOut">
               <a:rPr lang="en-US" smtClean="0"/>
-              <a:t>12/18/2023</a:t>
+              <a:t>4/15/2024</a:t>
             </a:fld>
             <a:endParaRPr lang="en-US"/>
           </a:p>
@@ -33814,12 +33814,23 @@
               <a:t> </a:t>
             </a:r>
             <a:r>
+              <a:rPr lang="bg-BG" sz="2600" b="1" dirty="0">
+                <a:solidFill>
+                  <a:schemeClr val="bg1">
+                    <a:lumMod val="60000"/>
+                    <a:lumOff val="40000"/>
+                  </a:schemeClr>
+                </a:solidFill>
+              </a:rPr>
+              <a:t>брой</a:t>
+            </a:r>
+            <a:r>
               <a:rPr lang="bg-BG" sz="2600" dirty="0">
                 <a:solidFill>
                   <a:schemeClr val="bg2"/>
                 </a:solidFill>
               </a:rPr>
-              <a:t>брой на избраните редове</a:t>
+              <a:t> на избраните редове</a:t>
             </a:r>
             <a:endParaRPr lang="en-US" sz="2600" dirty="0">
               <a:solidFill>
@@ -33859,12 +33870,23 @@
               <a:t>== </a:t>
             </a:r>
             <a:r>
+              <a:rPr lang="ru-RU" sz="2600" b="1" dirty="0">
+                <a:solidFill>
+                  <a:schemeClr val="bg1">
+                    <a:lumMod val="60000"/>
+                    <a:lumOff val="40000"/>
+                  </a:schemeClr>
+                </a:solidFill>
+              </a:rPr>
+              <a:t>сбор</a:t>
+            </a:r>
+            <a:r>
               <a:rPr lang="ru-RU" sz="2600" dirty="0">
                 <a:solidFill>
                   <a:schemeClr val="bg2"/>
                 </a:solidFill>
               </a:rPr>
-              <a:t>сбор от стойностите в дадена колона</a:t>
+              <a:t> от стойностите в дадена колона</a:t>
             </a:r>
             <a:endParaRPr lang="en-US" sz="2600" dirty="0">
               <a:solidFill>
@@ -33904,12 +33926,23 @@
               <a:t>== </a:t>
             </a:r>
             <a:r>
+              <a:rPr lang="ru-RU" sz="2600" b="1" dirty="0">
+                <a:solidFill>
+                  <a:schemeClr val="bg1">
+                    <a:lumMod val="60000"/>
+                    <a:lumOff val="40000"/>
+                  </a:schemeClr>
+                </a:solidFill>
+              </a:rPr>
+              <a:t>минималната</a:t>
+            </a:r>
+            <a:r>
               <a:rPr lang="ru-RU" sz="2600" dirty="0">
                 <a:solidFill>
                   <a:schemeClr val="bg2"/>
                 </a:solidFill>
               </a:rPr>
-              <a:t>минималната стойност в дадена колона</a:t>
+              <a:t> стойност в дадена колона</a:t>
             </a:r>
             <a:endParaRPr lang="en-US" sz="2600" dirty="0">
               <a:solidFill>
@@ -33949,12 +33982,23 @@
               <a:t>== </a:t>
             </a:r>
             <a:r>
+              <a:rPr lang="ru-RU" sz="2600" b="1" dirty="0">
+                <a:solidFill>
+                  <a:schemeClr val="bg1">
+                    <a:lumMod val="60000"/>
+                    <a:lumOff val="40000"/>
+                  </a:schemeClr>
+                </a:solidFill>
+              </a:rPr>
+              <a:t>максималната</a:t>
+            </a:r>
+            <a:r>
               <a:rPr lang="ru-RU" sz="2600" dirty="0">
                 <a:solidFill>
                   <a:schemeClr val="bg2"/>
                 </a:solidFill>
               </a:rPr>
-              <a:t>максималната стойност в дадена колона</a:t>
+              <a:t> стойност в дадена колона</a:t>
             </a:r>
             <a:endParaRPr lang="en-US" sz="2600" b="1" dirty="0">
               <a:solidFill>
@@ -33997,12 +34041,23 @@
               <a:t> == </a:t>
             </a:r>
             <a:r>
+              <a:rPr lang="ru-RU" sz="2600" b="1" dirty="0">
+                <a:solidFill>
+                  <a:schemeClr val="bg1">
+                    <a:lumMod val="60000"/>
+                    <a:lumOff val="40000"/>
+                  </a:schemeClr>
+                </a:solidFill>
+              </a:rPr>
+              <a:t>средноаритметична</a:t>
+            </a:r>
+            <a:r>
               <a:rPr lang="ru-RU" sz="2600" dirty="0">
                 <a:solidFill>
                   <a:schemeClr val="bg2"/>
                 </a:solidFill>
               </a:rPr>
-              <a:t>средноаритметична стойност в дадена колона</a:t>
+              <a:t> стойност в дадена колона</a:t>
             </a:r>
             <a:endParaRPr lang="en-US" sz="2600" dirty="0">
               <a:solidFill>

--- a/Courses/Software-Sciences/Module-3-Databases-New/11-Group-and-Aggregate-Functions/11-Group-and-Aggregate-Functions.pptx
+++ b/Courses/Software-Sciences/Module-3-Databases-New/11-Group-and-Aggregate-Functions/11-Group-and-Aggregate-Functions.pptx
@@ -465,7 +465,7 @@
           <a:p>
             <a:fld id="{4E087215-0C8F-4762-A664-737A353EC9A4}" type="datetimeFigureOut">
               <a:rPr lang="bg-BG" smtClean="0"/>
-              <a:t>15.4.2024 г.</a:t>
+              <a:t>26.07.24 г.</a:t>
             </a:fld>
             <a:endParaRPr lang="bg-BG"/>
           </a:p>
@@ -661,7 +661,7 @@
           <a:p>
             <a:fld id="{72D84649-876A-46C9-8472-14CB09C070D8}" type="datetimeFigureOut">
               <a:rPr lang="en-US" smtClean="0"/>
-              <a:t>4/15/2024</a:t>
+              <a:t>7/26/24</a:t>
             </a:fld>
             <a:endParaRPr lang="en-US"/>
           </a:p>
@@ -9788,7 +9788,7 @@
           <a:p>
             <a:r>
               <a:rPr lang="ru-RU" dirty="0"/>
-              <a:t>Групови функции във вложени заявки</a:t>
+              <a:t>Агрегатни функции във вложени заявки</a:t>
             </a:r>
             <a:endParaRPr lang="bg-BG" dirty="0"/>
           </a:p>
@@ -12673,7 +12673,7 @@
           <a:p>
             <a:r>
               <a:rPr lang="ru-RU" dirty="0"/>
-              <a:t>Агрегиране на групи от данни</a:t>
+              <a:t>Агрегиране и групи от данни</a:t>
             </a:r>
             <a:endParaRPr lang="bg-BG" dirty="0"/>
           </a:p>
@@ -16918,7 +16918,7 @@
             </a:r>
             <a:r>
               <a:rPr lang="bg-BG" dirty="0"/>
-              <a:t>е лист от колони</a:t>
+              <a:t>е списък от колони</a:t>
             </a:r>
           </a:p>
         </p:txBody>
@@ -17259,7 +17259,7 @@
                 <a:latin typeface="Consolas" pitchFamily="49" charset="0"/>
                 <a:cs typeface="Consolas" pitchFamily="49" charset="0"/>
               </a:rPr>
-              <a:t>&gt; ]</a:t>
+              <a:t>&gt;]</a:t>
             </a:r>
           </a:p>
           <a:p>
@@ -28130,7 +28130,7 @@
                   <a:schemeClr val="bg1"/>
                 </a:solidFill>
               </a:rPr>
-              <a:t>групови</a:t>
+              <a:t>агрегатни</a:t>
             </a:r>
             <a:r>
               <a:rPr lang="ru-RU" dirty="0">
@@ -28285,7 +28285,7 @@
             </a:r>
             <a:r>
               <a:rPr lang="bg-BG" dirty="0"/>
-              <a:t>групови</a:t>
+              <a:t>агрегатни</a:t>
             </a:r>
             <a:r>
               <a:rPr lang="ru-RU" dirty="0"/>
@@ -31496,7 +31496,7 @@
             </a:pPr>
             <a:r>
               <a:rPr lang="bg-BG" sz="3200" dirty="0"/>
-              <a:t>Групови функции</a:t>
+              <a:t>Групиране</a:t>
             </a:r>
             <a:endParaRPr lang="bg-BG" sz="3200" dirty="0">
               <a:solidFill>
@@ -34831,7 +34831,7 @@
 </file>
 
 <file path=ppt/slides/slide23.xml><?xml version="1.0" encoding="utf-8"?>
-<p:sld xmlns:a="http://schemas.openxmlformats.org/drawingml/2006/main" xmlns:r="http://schemas.openxmlformats.org/officeDocument/2006/relationships" xmlns:p="http://schemas.openxmlformats.org/presentationml/2006/main">
+<p:sld xmlns:a="http://schemas.openxmlformats.org/drawingml/2006/main" xmlns:r="http://schemas.openxmlformats.org/officeDocument/2006/relationships" xmlns:p="http://schemas.openxmlformats.org/presentationml/2006/main" show="0">
   <p:cSld>
     <p:spTree>
       <p:nvGrpSpPr>
@@ -35202,11 +35202,11 @@
   <p:clrMapOvr>
     <a:masterClrMapping/>
   </p:clrMapOvr>
-  <mc:AlternateContent xmlns:mc="http://schemas.openxmlformats.org/markup-compatibility/2006" xmlns:p14="http://schemas.microsoft.com/office/powerpoint/2010/main">
-    <mc:Choice Requires="p14">
+  <mc:AlternateContent xmlns:mc="http://schemas.openxmlformats.org/markup-compatibility/2006">
+    <mc:Choice xmlns:p14="http://schemas.microsoft.com/office/powerpoint/2010/main" Requires="p14">
       <p:transition spd="slow" p14:dur="2000" advClick="0" advTm="5000"/>
     </mc:Choice>
-    <mc:Fallback xmlns="">
+    <mc:Fallback>
       <p:transition spd="slow" advClick="0" advTm="5000"/>
     </mc:Fallback>
   </mc:AlternateContent>
@@ -35308,7 +35308,7 @@
           <a:p>
             <a:r>
               <a:rPr lang="bg-BG" dirty="0"/>
-              <a:t>Групови функции</a:t>
+              <a:t>Агрегатни функции</a:t>
             </a:r>
           </a:p>
         </p:txBody>
@@ -35598,7 +35598,7 @@
           <a:p>
             <a:r>
               <a:rPr lang="bg-BG" dirty="0"/>
-              <a:t>Групови функции</a:t>
+              <a:t>Агрегатни функции – същност</a:t>
             </a:r>
             <a:endParaRPr lang="en-US" dirty="0"/>
           </a:p>
@@ -38040,12 +38040,9 @@
           <a:p>
             <a:r>
               <a:rPr lang="bg-BG" dirty="0"/>
-              <a:t>Групови функции в </a:t>
-            </a:r>
-            <a:r>
-              <a:rPr lang="en-US" dirty="0"/>
-              <a:t>SQL</a:t>
-            </a:r>
+              <a:t>Агрегатни функции – примери</a:t>
+            </a:r>
+            <a:endParaRPr lang="en-US" dirty="0"/>
           </a:p>
         </p:txBody>
       </p:sp>
@@ -42711,7 +42708,7 @@
           <a:p>
             <a:r>
               <a:rPr lang="bg-BG" dirty="0"/>
-              <a:t>Групови функции и </a:t>
+              <a:t>Агрегатни функции и </a:t>
             </a:r>
             <a:r>
               <a:rPr lang="en-US" dirty="0"/>

--- a/Courses/Software-Sciences/Module-3-Databases-New/11-Group-and-Aggregate-Functions/11-Group-and-Aggregate-Functions.pptx
+++ b/Courses/Software-Sciences/Module-3-Databases-New/11-Group-and-Aggregate-Functions/11-Group-and-Aggregate-Functions.pptx
@@ -465,7 +465,7 @@
           <a:p>
             <a:fld id="{4E087215-0C8F-4762-A664-737A353EC9A4}" type="datetimeFigureOut">
               <a:rPr lang="bg-BG" smtClean="0"/>
-              <a:t>26.07.24 г.</a:t>
+              <a:t>29.07.24 г.</a:t>
             </a:fld>
             <a:endParaRPr lang="bg-BG"/>
           </a:p>
@@ -661,7 +661,7 @@
           <a:p>
             <a:fld id="{72D84649-876A-46C9-8472-14CB09C070D8}" type="datetimeFigureOut">
               <a:rPr lang="en-US" smtClean="0"/>
-              <a:t>7/26/24</a:t>
+              <a:t>7/29/24</a:t>
             </a:fld>
             <a:endParaRPr lang="en-US"/>
           </a:p>
@@ -9650,7 +9650,7 @@
       </p:pic>
       <p:pic>
         <p:nvPicPr>
-          <p:cNvPr id="4" name="Picture 3" descr="A yellow and blue sign with white text&#10;&#10;Description automatically generated">
+          <p:cNvPr id="4" name="Picture 3">
             <a:extLst>
               <a:ext uri="{FF2B5EF4-FFF2-40B4-BE49-F238E27FC236}">
                 <a16:creationId xmlns:a16="http://schemas.microsoft.com/office/drawing/2014/main" id="{8CE3C3AD-BE4F-1A8F-0212-8D7162892A18}"/>
@@ -9670,14 +9670,13 @@
               </a:ext>
             </a:extLst>
           </a:blip>
-          <a:stretch>
-            <a:fillRect/>
-          </a:stretch>
+          <a:srcRect/>
+          <a:stretch/>
         </p:blipFill>
         <p:spPr>
           <a:xfrm>
-            <a:off x="584311" y="3001428"/>
-            <a:ext cx="1956689" cy="877572"/>
+            <a:off x="584311" y="3002368"/>
+            <a:ext cx="1956689" cy="875691"/>
           </a:xfrm>
           <a:prstGeom prst="rect">
             <a:avLst/>
@@ -29099,7 +29098,7 @@
                   <a:schemeClr val="bg1"/>
                 </a:solidFill>
               </a:rPr>
-              <a:t>функции за групиране </a:t>
+              <a:t>агрегатни функции </a:t>
             </a:r>
             <a:r>
               <a:rPr lang="ru-RU" sz="3200" dirty="0"/>
@@ -29729,33 +29728,15 @@
               <a:t>, но се използва за </a:t>
             </a:r>
             <a:r>
-              <a:rPr lang="ru-RU" b="1" dirty="0">
-                <a:solidFill>
-                  <a:schemeClr val="tx2">
-                    <a:lumMod val="75000"/>
-                  </a:schemeClr>
-                </a:solidFill>
-              </a:rPr>
+              <a:rPr lang="ru-RU" b="1" dirty="0"/>
               <a:t>групиращи</a:t>
             </a:r>
             <a:r>
-              <a:rPr lang="ru-RU" dirty="0">
-                <a:solidFill>
-                  <a:schemeClr val="tx2">
-                    <a:lumMod val="75000"/>
-                  </a:schemeClr>
-                </a:solidFill>
-              </a:rPr>
+              <a:rPr lang="ru-RU" dirty="0"/>
               <a:t> </a:t>
             </a:r>
             <a:r>
-              <a:rPr lang="ru-RU" b="1" dirty="0">
-                <a:solidFill>
-                  <a:schemeClr val="tx2">
-                    <a:lumMod val="75000"/>
-                  </a:schemeClr>
-                </a:solidFill>
-              </a:rPr>
+              <a:rPr lang="ru-RU" b="1" dirty="0"/>
               <a:t>функции</a:t>
             </a:r>
             <a:endParaRPr lang="en-US" b="1" dirty="0"/>
@@ -33773,8 +33754,12 @@
               </a:buClr>
             </a:pPr>
             <a:r>
+              <a:rPr lang="bg-BG" sz="2800"/>
+              <a:t>Агрегатни </a:t>
+            </a:r>
+            <a:r>
               <a:rPr lang="bg-BG" sz="2800" dirty="0"/>
-              <a:t>Агрегати функции:</a:t>
+              <a:t>функции:</a:t>
             </a:r>
             <a:endParaRPr lang="en-US" sz="2800" dirty="0"/>
           </a:p>
@@ -35202,11 +35187,11 @@
   <p:clrMapOvr>
     <a:masterClrMapping/>
   </p:clrMapOvr>
-  <mc:AlternateContent xmlns:mc="http://schemas.openxmlformats.org/markup-compatibility/2006">
-    <mc:Choice xmlns:p14="http://schemas.microsoft.com/office/powerpoint/2010/main" Requires="p14">
+  <mc:AlternateContent xmlns:mc="http://schemas.openxmlformats.org/markup-compatibility/2006" xmlns:p14="http://schemas.microsoft.com/office/powerpoint/2010/main">
+    <mc:Choice Requires="p14">
       <p:transition spd="slow" p14:dur="2000" advClick="0" advTm="5000"/>
     </mc:Choice>
-    <mc:Fallback>
+    <mc:Fallback xmlns="">
       <p:transition spd="slow" advClick="0" advTm="5000"/>
     </mc:Fallback>
   </mc:AlternateContent>
@@ -35571,11 +35556,7 @@
                   <a:schemeClr val="bg1"/>
                 </a:solidFill>
               </a:rPr>
-              <a:t>един единствен резултат </a:t>
-            </a:r>
-            <a:r>
-              <a:rPr lang="ru-RU" dirty="0"/>
-              <a:t>(на група)</a:t>
+              <a:t>един единствен резултат</a:t>
             </a:r>
             <a:endParaRPr lang="en-US" dirty="0"/>
           </a:p>
@@ -37653,11 +37634,6 @@
             </a:r>
             <a:r>
               <a:rPr lang="en-US" sz="3600" b="1" dirty="0">
-                <a:solidFill>
-                  <a:schemeClr val="tx2">
-                    <a:lumMod val="75000"/>
-                  </a:schemeClr>
-                </a:solidFill>
                 <a:latin typeface="Consolas" pitchFamily="49" charset="0"/>
               </a:rPr>
               <a:t>(*)</a:t>
@@ -37699,45 +37675,24 @@
             </a:r>
             <a:r>
               <a:rPr lang="en-US" sz="3600" b="1" dirty="0">
-                <a:solidFill>
-                  <a:schemeClr val="tx2">
-                    <a:lumMod val="75000"/>
-                  </a:schemeClr>
-                </a:solidFill>
                 <a:latin typeface="Consolas" pitchFamily="49" charset="0"/>
               </a:rPr>
               <a:t>(</a:t>
             </a:r>
             <a:r>
               <a:rPr lang="bg-BG" sz="3600" b="1" dirty="0">
-                <a:solidFill>
-                  <a:schemeClr val="tx2">
-                    <a:lumMod val="75000"/>
-                  </a:schemeClr>
-                </a:solidFill>
                 <a:latin typeface="Consolas" pitchFamily="49" charset="0"/>
               </a:rPr>
               <a:t>колона</a:t>
             </a:r>
             <a:r>
               <a:rPr lang="en-US" sz="3600" b="1" dirty="0">
-                <a:solidFill>
-                  <a:schemeClr val="tx2">
-                    <a:lumMod val="75000"/>
-                  </a:schemeClr>
-                </a:solidFill>
                 <a:latin typeface="Consolas" pitchFamily="49" charset="0"/>
               </a:rPr>
               <a:t>)</a:t>
             </a:r>
             <a:r>
-              <a:rPr lang="en-US" sz="3600" b="1" dirty="0">
-                <a:solidFill>
-                  <a:schemeClr val="tx2">
-                    <a:lumMod val="75000"/>
-                  </a:schemeClr>
-                </a:solidFill>
-              </a:rPr>
+              <a:rPr lang="en-US" sz="3600" b="1" dirty="0"/>
               <a:t> </a:t>
             </a:r>
             <a:r>
@@ -37775,43 +37730,24 @@
             </a:r>
             <a:r>
               <a:rPr lang="en-US" sz="3600" b="1" noProof="1">
-                <a:solidFill>
-                  <a:srgbClr val="224464"/>
-                </a:solidFill>
                 <a:latin typeface="Consolas" pitchFamily="49" charset="0"/>
               </a:rPr>
               <a:t>(</a:t>
             </a:r>
             <a:r>
               <a:rPr lang="bg-BG" sz="3600" b="1" dirty="0">
-                <a:solidFill>
-                  <a:schemeClr val="tx2">
-                    <a:lumMod val="75000"/>
-                  </a:schemeClr>
-                </a:solidFill>
                 <a:latin typeface="Consolas" pitchFamily="49" charset="0"/>
               </a:rPr>
               <a:t>колона</a:t>
             </a:r>
             <a:r>
               <a:rPr lang="en-US" sz="3600" b="1" dirty="0">
-                <a:solidFill>
-                  <a:schemeClr val="tx2">
-                    <a:lumMod val="75000"/>
-                  </a:schemeClr>
-                </a:solidFill>
                 <a:latin typeface="Consolas" pitchFamily="49" charset="0"/>
               </a:rPr>
               <a:t>)</a:t>
             </a:r>
             <a:r>
-              <a:rPr lang="en-US" sz="3600" b="1" dirty="0">
-                <a:solidFill>
-                  <a:schemeClr val="tx2">
-                    <a:lumMod val="75000"/>
-                  </a:schemeClr>
-                </a:solidFill>
-              </a:rPr>
+              <a:rPr lang="en-US" sz="3600" b="1" dirty="0"/>
               <a:t> </a:t>
             </a:r>
             <a:r>
@@ -37840,43 +37776,24 @@
             </a:r>
             <a:r>
               <a:rPr lang="en-US" sz="3600" b="1" noProof="1">
-                <a:solidFill>
-                  <a:srgbClr val="224464"/>
-                </a:solidFill>
                 <a:latin typeface="Consolas" pitchFamily="49" charset="0"/>
               </a:rPr>
               <a:t>(</a:t>
             </a:r>
             <a:r>
               <a:rPr lang="bg-BG" sz="3600" b="1" dirty="0">
-                <a:solidFill>
-                  <a:schemeClr val="tx2">
-                    <a:lumMod val="75000"/>
-                  </a:schemeClr>
-                </a:solidFill>
                 <a:latin typeface="Consolas" pitchFamily="49" charset="0"/>
               </a:rPr>
               <a:t>колона</a:t>
             </a:r>
             <a:r>
               <a:rPr lang="en-US" sz="3600" b="1" dirty="0">
-                <a:solidFill>
-                  <a:schemeClr val="tx2">
-                    <a:lumMod val="75000"/>
-                  </a:schemeClr>
-                </a:solidFill>
                 <a:latin typeface="Consolas" pitchFamily="49" charset="0"/>
               </a:rPr>
               <a:t>)</a:t>
             </a:r>
             <a:r>
-              <a:rPr lang="en-US" sz="3600" b="1" dirty="0">
-                <a:solidFill>
-                  <a:schemeClr val="tx2">
-                    <a:lumMod val="75000"/>
-                  </a:schemeClr>
-                </a:solidFill>
-              </a:rPr>
+              <a:rPr lang="en-US" sz="3600" b="1" dirty="0"/>
               <a:t> </a:t>
             </a:r>
             <a:r>
@@ -37906,43 +37823,24 @@
             </a:r>
             <a:r>
               <a:rPr lang="en-US" sz="3600" b="1" noProof="1">
-                <a:solidFill>
-                  <a:srgbClr val="224464"/>
-                </a:solidFill>
                 <a:latin typeface="Consolas" pitchFamily="49" charset="0"/>
               </a:rPr>
               <a:t>(</a:t>
             </a:r>
             <a:r>
               <a:rPr lang="bg-BG" sz="3600" b="1" dirty="0">
-                <a:solidFill>
-                  <a:schemeClr val="tx2">
-                    <a:lumMod val="75000"/>
-                  </a:schemeClr>
-                </a:solidFill>
                 <a:latin typeface="Consolas" pitchFamily="49" charset="0"/>
               </a:rPr>
               <a:t>колона</a:t>
             </a:r>
             <a:r>
               <a:rPr lang="en-US" sz="3600" b="1" dirty="0">
-                <a:solidFill>
-                  <a:schemeClr val="tx2">
-                    <a:lumMod val="75000"/>
-                  </a:schemeClr>
-                </a:solidFill>
                 <a:latin typeface="Consolas" pitchFamily="49" charset="0"/>
               </a:rPr>
               <a:t>)</a:t>
             </a:r>
             <a:r>
-              <a:rPr lang="en-US" sz="3600" b="1" dirty="0">
-                <a:solidFill>
-                  <a:schemeClr val="tx2">
-                    <a:lumMod val="75000"/>
-                  </a:schemeClr>
-                </a:solidFill>
-              </a:rPr>
+              <a:rPr lang="en-US" sz="3600" b="1" dirty="0"/>
               <a:t> </a:t>
             </a:r>
             <a:r>
@@ -37972,43 +37870,24 @@
             </a:r>
             <a:r>
               <a:rPr lang="en-US" sz="3600" b="1" noProof="1">
-                <a:solidFill>
-                  <a:srgbClr val="224464"/>
-                </a:solidFill>
                 <a:latin typeface="Consolas" pitchFamily="49" charset="0"/>
               </a:rPr>
               <a:t>(</a:t>
             </a:r>
             <a:r>
               <a:rPr lang="bg-BG" sz="3600" b="1" dirty="0">
-                <a:solidFill>
-                  <a:schemeClr val="tx2">
-                    <a:lumMod val="75000"/>
-                  </a:schemeClr>
-                </a:solidFill>
                 <a:latin typeface="Consolas" pitchFamily="49" charset="0"/>
               </a:rPr>
               <a:t>колона</a:t>
             </a:r>
             <a:r>
               <a:rPr lang="en-US" sz="3600" b="1" dirty="0">
-                <a:solidFill>
-                  <a:schemeClr val="tx2">
-                    <a:lumMod val="75000"/>
-                  </a:schemeClr>
-                </a:solidFill>
                 <a:latin typeface="Consolas" pitchFamily="49" charset="0"/>
               </a:rPr>
               <a:t>)</a:t>
             </a:r>
             <a:r>
-              <a:rPr lang="en-US" sz="3600" b="1" dirty="0">
-                <a:solidFill>
-                  <a:schemeClr val="tx2">
-                    <a:lumMod val="75000"/>
-                  </a:schemeClr>
-                </a:solidFill>
-              </a:rPr>
+              <a:rPr lang="en-US" sz="3600" b="1" dirty="0"/>
               <a:t> </a:t>
             </a:r>
             <a:r>
@@ -38721,7 +38600,7 @@
                 <a:latin typeface="Consolas" pitchFamily="49" charset="0"/>
                 <a:cs typeface="Consolas" pitchFamily="49" charset="0"/>
               </a:rPr>
-              <a:t>(*) as Cnt </a:t>
+              <a:t>(*) as Count </a:t>
             </a:r>
             <a:r>
               <a:rPr lang="en-US" sz="2600" b="1" noProof="1">
@@ -38789,7 +38668,7 @@
           <p:nvPr>
             <p:extLst>
               <p:ext uri="{D42A27DB-BD31-4B8C-83A1-F6EECF244321}">
-                <p14:modId xmlns:p14="http://schemas.microsoft.com/office/powerpoint/2010/main" val="1006518010"/>
+                <p14:modId xmlns:p14="http://schemas.microsoft.com/office/powerpoint/2010/main" val="3744642401"/>
               </p:ext>
             </p:extLst>
           </p:nvPr>
@@ -38846,7 +38725,7 @@
                           <a:effectLst/>
                           <a:latin typeface="+mj-lt"/>
                         </a:rPr>
-                        <a:t>Cnt</a:t>
+                        <a:t>Count</a:t>
                       </a:r>
                     </a:p>
                   </a:txBody>
